--- a/UserGuide/source/images/Authors.pptx
+++ b/UserGuide/source/images/Authors.pptx
@@ -288,7 +288,7 @@
           <a:p>
             <a:fld id="{A02A4184-038F-4B51-B8F9-AAAA2B9B92AA}" type="datetimeFigureOut">
               <a:rPr lang="en-GB" smtClean="0"/>
-              <a:t>28/11/2016</a:t>
+              <a:t>01/12/2016</a:t>
             </a:fld>
             <a:endParaRPr lang="en-GB"/>
           </a:p>
@@ -458,7 +458,7 @@
           <a:p>
             <a:fld id="{A02A4184-038F-4B51-B8F9-AAAA2B9B92AA}" type="datetimeFigureOut">
               <a:rPr lang="en-GB" smtClean="0"/>
-              <a:t>28/11/2016</a:t>
+              <a:t>01/12/2016</a:t>
             </a:fld>
             <a:endParaRPr lang="en-GB"/>
           </a:p>
@@ -638,7 +638,7 @@
           <a:p>
             <a:fld id="{A02A4184-038F-4B51-B8F9-AAAA2B9B92AA}" type="datetimeFigureOut">
               <a:rPr lang="en-GB" smtClean="0"/>
-              <a:t>28/11/2016</a:t>
+              <a:t>01/12/2016</a:t>
             </a:fld>
             <a:endParaRPr lang="en-GB"/>
           </a:p>
@@ -808,7 +808,7 @@
           <a:p>
             <a:fld id="{A02A4184-038F-4B51-B8F9-AAAA2B9B92AA}" type="datetimeFigureOut">
               <a:rPr lang="en-GB" smtClean="0"/>
-              <a:t>28/11/2016</a:t>
+              <a:t>01/12/2016</a:t>
             </a:fld>
             <a:endParaRPr lang="en-GB"/>
           </a:p>
@@ -1054,7 +1054,7 @@
           <a:p>
             <a:fld id="{A02A4184-038F-4B51-B8F9-AAAA2B9B92AA}" type="datetimeFigureOut">
               <a:rPr lang="en-GB" smtClean="0"/>
-              <a:t>28/11/2016</a:t>
+              <a:t>01/12/2016</a:t>
             </a:fld>
             <a:endParaRPr lang="en-GB"/>
           </a:p>
@@ -1342,7 +1342,7 @@
           <a:p>
             <a:fld id="{A02A4184-038F-4B51-B8F9-AAAA2B9B92AA}" type="datetimeFigureOut">
               <a:rPr lang="en-GB" smtClean="0"/>
-              <a:t>28/11/2016</a:t>
+              <a:t>01/12/2016</a:t>
             </a:fld>
             <a:endParaRPr lang="en-GB"/>
           </a:p>
@@ -1764,7 +1764,7 @@
           <a:p>
             <a:fld id="{A02A4184-038F-4B51-B8F9-AAAA2B9B92AA}" type="datetimeFigureOut">
               <a:rPr lang="en-GB" smtClean="0"/>
-              <a:t>28/11/2016</a:t>
+              <a:t>01/12/2016</a:t>
             </a:fld>
             <a:endParaRPr lang="en-GB"/>
           </a:p>
@@ -1882,7 +1882,7 @@
           <a:p>
             <a:fld id="{A02A4184-038F-4B51-B8F9-AAAA2B9B92AA}" type="datetimeFigureOut">
               <a:rPr lang="en-GB" smtClean="0"/>
-              <a:t>28/11/2016</a:t>
+              <a:t>01/12/2016</a:t>
             </a:fld>
             <a:endParaRPr lang="en-GB"/>
           </a:p>
@@ -1977,7 +1977,7 @@
           <a:p>
             <a:fld id="{A02A4184-038F-4B51-B8F9-AAAA2B9B92AA}" type="datetimeFigureOut">
               <a:rPr lang="en-GB" smtClean="0"/>
-              <a:t>28/11/2016</a:t>
+              <a:t>01/12/2016</a:t>
             </a:fld>
             <a:endParaRPr lang="en-GB"/>
           </a:p>
@@ -2254,7 +2254,7 @@
           <a:p>
             <a:fld id="{A02A4184-038F-4B51-B8F9-AAAA2B9B92AA}" type="datetimeFigureOut">
               <a:rPr lang="en-GB" smtClean="0"/>
-              <a:t>28/11/2016</a:t>
+              <a:t>01/12/2016</a:t>
             </a:fld>
             <a:endParaRPr lang="en-GB"/>
           </a:p>
@@ -2507,7 +2507,7 @@
           <a:p>
             <a:fld id="{A02A4184-038F-4B51-B8F9-AAAA2B9B92AA}" type="datetimeFigureOut">
               <a:rPr lang="en-GB" smtClean="0"/>
-              <a:t>28/11/2016</a:t>
+              <a:t>01/12/2016</a:t>
             </a:fld>
             <a:endParaRPr lang="en-GB"/>
           </a:p>
@@ -2720,7 +2720,7 @@
           <a:p>
             <a:fld id="{A02A4184-038F-4B51-B8F9-AAAA2B9B92AA}" type="datetimeFigureOut">
               <a:rPr lang="en-GB" smtClean="0"/>
-              <a:t>28/11/2016</a:t>
+              <a:t>01/12/2016</a:t>
             </a:fld>
             <a:endParaRPr lang="en-GB"/>
           </a:p>
@@ -3103,8 +3103,8 @@
         </p:nvSpPr>
         <p:spPr>
           <a:xfrm>
-            <a:off x="827584" y="188640"/>
-            <a:ext cx="2232248" cy="369332"/>
+            <a:off x="1584641" y="890916"/>
+            <a:ext cx="2051255" cy="338554"/>
           </a:xfrm>
           <a:prstGeom prst="rect">
             <a:avLst/>
@@ -3132,10 +3132,10 @@
           <a:p>
             <a:pPr algn="ctr"/>
             <a:r>
-              <a:rPr lang="fr-FR" smtClean="0"/>
+              <a:rPr lang="fr-FR" sz="1600" smtClean="0"/>
               <a:t>Kappa V2</a:t>
             </a:r>
-            <a:endParaRPr lang="en-GB"/>
+            <a:endParaRPr lang="en-GB" sz="1600"/>
           </a:p>
         </p:txBody>
       </p:sp>
@@ -3147,8 +3147,8 @@
         </p:nvSpPr>
         <p:spPr>
           <a:xfrm>
-            <a:off x="5796136" y="188640"/>
-            <a:ext cx="2232248" cy="369332"/>
+            <a:off x="5067131" y="890916"/>
+            <a:ext cx="2051255" cy="338554"/>
           </a:xfrm>
           <a:prstGeom prst="rect">
             <a:avLst/>
@@ -3176,10 +3176,10 @@
           <a:p>
             <a:pPr algn="ctr"/>
             <a:r>
-              <a:rPr lang="fr-FR" smtClean="0"/>
+              <a:rPr lang="fr-FR" sz="1600" smtClean="0"/>
               <a:t>OECD.Kappa </a:t>
             </a:r>
-            <a:endParaRPr lang="en-GB"/>
+            <a:endParaRPr lang="en-GB" sz="1600"/>
           </a:p>
         </p:txBody>
       </p:sp>
@@ -3191,8 +3191,8 @@
         </p:nvSpPr>
         <p:spPr>
           <a:xfrm>
-            <a:off x="1101806" y="1376772"/>
-            <a:ext cx="1764196" cy="1296144"/>
+            <a:off x="1824953" y="1331659"/>
+            <a:ext cx="1621153" cy="1212993"/>
           </a:xfrm>
           <a:prstGeom prst="flowChartMagneticDisk">
             <a:avLst/>
@@ -3230,10 +3230,10 @@
           <a:p>
             <a:pPr algn="ctr"/>
             <a:r>
-              <a:rPr lang="fr-FR" smtClean="0"/>
+              <a:rPr lang="fr-FR" sz="1600" smtClean="0"/>
               <a:t>Auteurs Individuels</a:t>
             </a:r>
-            <a:endParaRPr lang="en-GB"/>
+            <a:endParaRPr lang="en-GB" sz="1600"/>
           </a:p>
         </p:txBody>
       </p:sp>
@@ -3245,8 +3245,8 @@
         </p:nvSpPr>
         <p:spPr>
           <a:xfrm>
-            <a:off x="1051992" y="3320988"/>
-            <a:ext cx="1863824" cy="1296144"/>
+            <a:off x="1779178" y="2811602"/>
+            <a:ext cx="1712703" cy="1212993"/>
           </a:xfrm>
           <a:prstGeom prst="flowChartMagneticDisk">
             <a:avLst/>
@@ -3284,10 +3284,10 @@
           <a:p>
             <a:pPr algn="ctr"/>
             <a:r>
-              <a:rPr lang="fr-FR" smtClean="0"/>
+              <a:rPr lang="fr-FR" sz="1600" smtClean="0"/>
               <a:t>Auteurs Institutionnels</a:t>
             </a:r>
-            <a:endParaRPr lang="en-GB"/>
+            <a:endParaRPr lang="en-GB" sz="1600"/>
           </a:p>
         </p:txBody>
       </p:sp>
@@ -3299,8 +3299,8 @@
         </p:nvSpPr>
         <p:spPr>
           <a:xfrm>
-            <a:off x="6012160" y="1340768"/>
-            <a:ext cx="1944216" cy="1368152"/>
+            <a:off x="5141758" y="1331659"/>
+            <a:ext cx="1786577" cy="1280382"/>
           </a:xfrm>
           <a:prstGeom prst="flowChartMagneticDisk">
             <a:avLst/>
@@ -3333,10 +3333,10 @@
           <a:p>
             <a:pPr algn="ctr"/>
             <a:r>
-              <a:rPr lang="fr-FR" smtClean="0"/>
+              <a:rPr lang="fr-FR" sz="1600" smtClean="0"/>
               <a:t>persons</a:t>
             </a:r>
-            <a:endParaRPr lang="en-GB"/>
+            <a:endParaRPr lang="en-GB" sz="1600"/>
           </a:p>
         </p:txBody>
       </p:sp>
@@ -3348,8 +3348,8 @@
         </p:nvSpPr>
         <p:spPr>
           <a:xfrm>
-            <a:off x="6012160" y="3284984"/>
-            <a:ext cx="1944216" cy="1368152"/>
+            <a:off x="5141758" y="2811602"/>
+            <a:ext cx="1786577" cy="1280382"/>
           </a:xfrm>
           <a:prstGeom prst="flowChartMagneticDisk">
             <a:avLst/>
@@ -3382,10 +3382,10 @@
           <a:p>
             <a:pPr algn="ctr"/>
             <a:r>
-              <a:rPr lang="fr-FR" smtClean="0"/>
+              <a:rPr lang="fr-FR" sz="1600" smtClean="0"/>
               <a:t>Organizations</a:t>
             </a:r>
-            <a:endParaRPr lang="en-GB"/>
+            <a:endParaRPr lang="en-GB" sz="1600"/>
           </a:p>
         </p:txBody>
       </p:sp>
@@ -3397,8 +3397,8 @@
         </p:nvSpPr>
         <p:spPr>
           <a:xfrm>
-            <a:off x="611560" y="5157192"/>
-            <a:ext cx="2664296" cy="923330"/>
+            <a:off x="1433228" y="4091984"/>
+            <a:ext cx="2202668" cy="338554"/>
           </a:xfrm>
           <a:prstGeom prst="rect">
             <a:avLst/>
@@ -3426,61 +3426,14 @@
           <a:p>
             <a:pPr algn="ctr"/>
             <a:r>
-              <a:rPr lang="fr-FR" smtClean="0"/>
-              <a:t>Creation Interface</a:t>
-            </a:r>
-          </a:p>
-          <a:p>
-            <a:pPr algn="ctr"/>
-            <a:endParaRPr lang="fr-FR"/>
-          </a:p>
-          <a:p>
-            <a:pPr algn="ctr"/>
-            <a:endParaRPr lang="en-GB"/>
-          </a:p>
-        </p:txBody>
-      </p:sp>
-      <p:sp>
-        <p:nvSpPr>
-          <p:cNvPr id="13" name="Curved Down Arrow 12"/>
-          <p:cNvSpPr/>
-          <p:nvPr/>
-        </p:nvSpPr>
-        <p:spPr>
-          <a:xfrm>
-            <a:off x="3059832" y="1340768"/>
-            <a:ext cx="2736304" cy="684076"/>
-          </a:xfrm>
-          <a:prstGeom prst="curvedDownArrow">
-            <a:avLst/>
-          </a:prstGeom>
-        </p:spPr>
-        <p:style>
-          <a:lnRef idx="2">
-            <a:schemeClr val="accent1">
-              <a:shade val="50000"/>
-            </a:schemeClr>
-          </a:lnRef>
-          <a:fillRef idx="1">
-            <a:schemeClr val="accent1"/>
-          </a:fillRef>
-          <a:effectRef idx="0">
-            <a:schemeClr val="accent1"/>
-          </a:effectRef>
-          <a:fontRef idx="minor">
-            <a:schemeClr val="lt1"/>
-          </a:fontRef>
-        </p:style>
-        <p:txBody>
-          <a:bodyPr rtlCol="0" anchor="ctr"/>
-          <a:lstStyle/>
-          <a:p>
-            <a:pPr algn="ctr"/>
-            <a:endParaRPr lang="en-GB">
-              <a:solidFill>
-                <a:schemeClr val="tx1"/>
-              </a:solidFill>
-            </a:endParaRPr>
+              <a:rPr lang="fr-FR" sz="1600" smtClean="0"/>
+              <a:t>Creation </a:t>
+            </a:r>
+            <a:r>
+              <a:rPr lang="fr-FR" sz="1600" smtClean="0"/>
+              <a:t>Interface</a:t>
+            </a:r>
+            <a:endParaRPr lang="fr-FR" sz="1600" smtClean="0"/>
           </a:p>
         </p:txBody>
       </p:sp>
@@ -3492,8 +3445,8 @@
         </p:nvSpPr>
         <p:spPr>
           <a:xfrm>
-            <a:off x="3563888" y="2024844"/>
-            <a:ext cx="1872208" cy="369332"/>
+            <a:off x="3479731" y="2204864"/>
+            <a:ext cx="1720407" cy="338554"/>
           </a:xfrm>
           <a:prstGeom prst="rect">
             <a:avLst/>
@@ -3507,39 +3460,39 @@
           <a:lstStyle/>
           <a:p>
             <a:r>
-              <a:rPr lang="fr-FR" smtClean="0"/>
+              <a:rPr lang="fr-FR" sz="1600" smtClean="0"/>
               <a:t>Nightly migration</a:t>
             </a:r>
-            <a:endParaRPr lang="en-GB"/>
-          </a:p>
-        </p:txBody>
-      </p:sp>
-      <p:sp>
-        <p:nvSpPr>
-          <p:cNvPr id="15" name="Curved Down Arrow 14"/>
+            <a:endParaRPr lang="en-GB" sz="1600"/>
+          </a:p>
+        </p:txBody>
+      </p:sp>
+      <p:sp>
+        <p:nvSpPr>
+          <p:cNvPr id="2" name="Right Arrow 1"/>
           <p:cNvSpPr/>
           <p:nvPr/>
         </p:nvSpPr>
         <p:spPr>
           <a:xfrm>
-            <a:off x="3140224" y="3547209"/>
-            <a:ext cx="2736304" cy="684076"/>
+            <a:off x="3727866" y="1700808"/>
+            <a:ext cx="1224136" cy="432048"/>
           </a:xfrm>
-          <a:prstGeom prst="curvedDownArrow">
+          <a:prstGeom prst="rightArrow">
             <a:avLst/>
           </a:prstGeom>
         </p:spPr>
         <p:style>
           <a:lnRef idx="2">
-            <a:schemeClr val="accent1">
+            <a:schemeClr val="dk1">
               <a:shade val="50000"/>
             </a:schemeClr>
           </a:lnRef>
           <a:fillRef idx="1">
-            <a:schemeClr val="accent1"/>
+            <a:schemeClr val="dk1"/>
           </a:fillRef>
           <a:effectRef idx="0">
-            <a:schemeClr val="accent1"/>
+            <a:schemeClr val="dk1"/>
           </a:effectRef>
           <a:fontRef idx="minor">
             <a:schemeClr val="lt1"/>
@@ -3550,24 +3503,20 @@
           <a:lstStyle/>
           <a:p>
             <a:pPr algn="ctr"/>
-            <a:endParaRPr lang="en-GB">
-              <a:solidFill>
-                <a:schemeClr val="tx1"/>
-              </a:solidFill>
-            </a:endParaRPr>
-          </a:p>
-        </p:txBody>
-      </p:sp>
-      <p:sp>
-        <p:nvSpPr>
-          <p:cNvPr id="16" name="TextBox 15"/>
+            <a:endParaRPr lang="en-GB"/>
+          </a:p>
+        </p:txBody>
+      </p:sp>
+      <p:sp>
+        <p:nvSpPr>
+          <p:cNvPr id="17" name="TextBox 16"/>
           <p:cNvSpPr txBox="1"/>
           <p:nvPr/>
         </p:nvSpPr>
         <p:spPr>
           <a:xfrm>
-            <a:off x="3644280" y="4231285"/>
-            <a:ext cx="1872208" cy="369332"/>
+            <a:off x="3479731" y="3541605"/>
+            <a:ext cx="1720407" cy="338554"/>
           </a:xfrm>
           <a:prstGeom prst="rect">
             <a:avLst/>
@@ -3581,9 +3530,49 @@
           <a:lstStyle/>
           <a:p>
             <a:r>
-              <a:rPr lang="fr-FR" smtClean="0"/>
+              <a:rPr lang="fr-FR" sz="1600" smtClean="0"/>
               <a:t>Nightly migration</a:t>
             </a:r>
+            <a:endParaRPr lang="en-GB" sz="1600"/>
+          </a:p>
+        </p:txBody>
+      </p:sp>
+      <p:sp>
+        <p:nvSpPr>
+          <p:cNvPr id="18" name="Right Arrow 17"/>
+          <p:cNvSpPr/>
+          <p:nvPr/>
+        </p:nvSpPr>
+        <p:spPr>
+          <a:xfrm>
+            <a:off x="3727866" y="3037549"/>
+            <a:ext cx="1224136" cy="432048"/>
+          </a:xfrm>
+          <a:prstGeom prst="rightArrow">
+            <a:avLst/>
+          </a:prstGeom>
+        </p:spPr>
+        <p:style>
+          <a:lnRef idx="2">
+            <a:schemeClr val="dk1">
+              <a:shade val="50000"/>
+            </a:schemeClr>
+          </a:lnRef>
+          <a:fillRef idx="1">
+            <a:schemeClr val="dk1"/>
+          </a:fillRef>
+          <a:effectRef idx="0">
+            <a:schemeClr val="dk1"/>
+          </a:effectRef>
+          <a:fontRef idx="minor">
+            <a:schemeClr val="lt1"/>
+          </a:fontRef>
+        </p:style>
+        <p:txBody>
+          <a:bodyPr rtlCol="0" anchor="ctr"/>
+          <a:lstStyle/>
+          <a:p>
+            <a:pPr algn="ctr"/>
             <a:endParaRPr lang="en-GB"/>
           </a:p>
         </p:txBody>
